--- a/review/lecture-review-week-13.pptx
+++ b/review/lecture-review-week-13.pptx
@@ -10,8 +10,7 @@
     <p:sldId id="261" r:id="rId4"/>
     <p:sldId id="270" r:id="rId5"/>
     <p:sldId id="271" r:id="rId6"/>
-    <p:sldId id="272" r:id="rId7"/>
-    <p:sldId id="269" r:id="rId8"/>
+    <p:sldId id="269" r:id="rId7"/>
   </p:sldIdLst>
   <p:sldSz cx="12192000" cy="6858000"/>
   <p:notesSz cx="6858000" cy="9144000"/>
@@ -265,7 +264,7 @@
           <a:p>
             <a:fld id="{DAC1E4EF-1A07-8740-80B6-D041CCD5E262}" type="datetimeFigureOut">
               <a:rPr lang="en-US" smtClean="0"/>
-              <a:t>8/19/18</a:t>
+              <a:t>12/3/18</a:t>
             </a:fld>
             <a:endParaRPr lang="en-US"/>
           </a:p>
@@ -463,7 +462,7 @@
           <a:p>
             <a:fld id="{DAC1E4EF-1A07-8740-80B6-D041CCD5E262}" type="datetimeFigureOut">
               <a:rPr lang="en-US" smtClean="0"/>
-              <a:t>8/19/18</a:t>
+              <a:t>12/3/18</a:t>
             </a:fld>
             <a:endParaRPr lang="en-US"/>
           </a:p>
@@ -671,7 +670,7 @@
           <a:p>
             <a:fld id="{DAC1E4EF-1A07-8740-80B6-D041CCD5E262}" type="datetimeFigureOut">
               <a:rPr lang="en-US" smtClean="0"/>
-              <a:t>8/19/18</a:t>
+              <a:t>12/3/18</a:t>
             </a:fld>
             <a:endParaRPr lang="en-US"/>
           </a:p>
@@ -869,7 +868,7 @@
           <a:p>
             <a:fld id="{DAC1E4EF-1A07-8740-80B6-D041CCD5E262}" type="datetimeFigureOut">
               <a:rPr lang="en-US" smtClean="0"/>
-              <a:t>8/19/18</a:t>
+              <a:t>12/3/18</a:t>
             </a:fld>
             <a:endParaRPr lang="en-US"/>
           </a:p>
@@ -1144,7 +1143,7 @@
           <a:p>
             <a:fld id="{DAC1E4EF-1A07-8740-80B6-D041CCD5E262}" type="datetimeFigureOut">
               <a:rPr lang="en-US" smtClean="0"/>
-              <a:t>8/19/18</a:t>
+              <a:t>12/3/18</a:t>
             </a:fld>
             <a:endParaRPr lang="en-US"/>
           </a:p>
@@ -1409,7 +1408,7 @@
           <a:p>
             <a:fld id="{DAC1E4EF-1A07-8740-80B6-D041CCD5E262}" type="datetimeFigureOut">
               <a:rPr lang="en-US" smtClean="0"/>
-              <a:t>8/19/18</a:t>
+              <a:t>12/3/18</a:t>
             </a:fld>
             <a:endParaRPr lang="en-US"/>
           </a:p>
@@ -1821,7 +1820,7 @@
           <a:p>
             <a:fld id="{DAC1E4EF-1A07-8740-80B6-D041CCD5E262}" type="datetimeFigureOut">
               <a:rPr lang="en-US" smtClean="0"/>
-              <a:t>8/19/18</a:t>
+              <a:t>12/3/18</a:t>
             </a:fld>
             <a:endParaRPr lang="en-US"/>
           </a:p>
@@ -1962,7 +1961,7 @@
           <a:p>
             <a:fld id="{DAC1E4EF-1A07-8740-80B6-D041CCD5E262}" type="datetimeFigureOut">
               <a:rPr lang="en-US" smtClean="0"/>
-              <a:t>8/19/18</a:t>
+              <a:t>12/3/18</a:t>
             </a:fld>
             <a:endParaRPr lang="en-US"/>
           </a:p>
@@ -2075,7 +2074,7 @@
           <a:p>
             <a:fld id="{DAC1E4EF-1A07-8740-80B6-D041CCD5E262}" type="datetimeFigureOut">
               <a:rPr lang="en-US" smtClean="0"/>
-              <a:t>8/19/18</a:t>
+              <a:t>12/3/18</a:t>
             </a:fld>
             <a:endParaRPr lang="en-US"/>
           </a:p>
@@ -2386,7 +2385,7 @@
           <a:p>
             <a:fld id="{DAC1E4EF-1A07-8740-80B6-D041CCD5E262}" type="datetimeFigureOut">
               <a:rPr lang="en-US" smtClean="0"/>
-              <a:t>8/19/18</a:t>
+              <a:t>12/3/18</a:t>
             </a:fld>
             <a:endParaRPr lang="en-US"/>
           </a:p>
@@ -2674,7 +2673,7 @@
           <a:p>
             <a:fld id="{DAC1E4EF-1A07-8740-80B6-D041CCD5E262}" type="datetimeFigureOut">
               <a:rPr lang="en-US" smtClean="0"/>
-              <a:t>8/19/18</a:t>
+              <a:t>12/3/18</a:t>
             </a:fld>
             <a:endParaRPr lang="en-US"/>
           </a:p>
@@ -2915,7 +2914,7 @@
           <a:p>
             <a:fld id="{DAC1E4EF-1A07-8740-80B6-D041CCD5E262}" type="datetimeFigureOut">
               <a:rPr lang="en-US" smtClean="0"/>
-              <a:t>8/19/18</a:t>
+              <a:t>12/3/18</a:t>
             </a:fld>
             <a:endParaRPr lang="en-US"/>
           </a:p>
@@ -3552,6 +3551,12 @@
           <a:p>
             <a:r>
               <a:rPr lang="en-US" dirty="0"/>
+              <a:t>Continuous Course Improvement</a:t>
+            </a:r>
+          </a:p>
+          <a:p>
+            <a:r>
+              <a:rPr lang="en-US" dirty="0"/>
               <a:t>Lecture review</a:t>
             </a:r>
           </a:p>
@@ -4002,7 +4007,7 @@
         <p:spPr/>
         <p:txBody>
           <a:bodyPr>
-            <a:normAutofit lnSpcReduction="10000"/>
+            <a:normAutofit fontScale="85000" lnSpcReduction="20000"/>
           </a:bodyPr>
           <a:lstStyle/>
           <a:p>
@@ -4023,6 +4028,30 @@
             <a:r>
               <a:rPr lang="en-US" dirty="0"/>
               <a:t>Replicated vs. global services.</a:t>
+            </a:r>
+          </a:p>
+          <a:p>
+            <a:pPr lvl="1"/>
+            <a:endParaRPr lang="en-US" dirty="0"/>
+          </a:p>
+          <a:p>
+            <a:r>
+              <a:rPr lang="en-US" dirty="0"/>
+              <a:t>Service updates</a:t>
+            </a:r>
+          </a:p>
+          <a:p>
+            <a:pPr lvl="1"/>
+            <a:r>
+              <a:rPr lang="en-US" dirty="0"/>
+              <a:t>It's possible to resize services by scaling up or down.</a:t>
+            </a:r>
+          </a:p>
+          <a:p>
+            <a:pPr lvl="1"/>
+            <a:r>
+              <a:rPr lang="en-US" dirty="0"/>
+              <a:t>Update a service using a rolling deployment.</a:t>
             </a:r>
           </a:p>
           <a:p>
@@ -4097,136 +4126,6 @@
 </file>
 
 <file path=ppt/slides/slide6.xml><?xml version="1.0" encoding="utf-8"?>
-<p:sld xmlns:a="http://schemas.openxmlformats.org/drawingml/2006/main" xmlns:r="http://schemas.openxmlformats.org/officeDocument/2006/relationships" xmlns:p="http://schemas.openxmlformats.org/presentationml/2006/main">
-  <p:cSld>
-    <p:spTree>
-      <p:nvGrpSpPr>
-        <p:cNvPr id="1" name=""/>
-        <p:cNvGrpSpPr/>
-        <p:nvPr/>
-      </p:nvGrpSpPr>
-      <p:grpSpPr>
-        <a:xfrm>
-          <a:off x="0" y="0"/>
-          <a:ext cx="0" cy="0"/>
-          <a:chOff x="0" y="0"/>
-          <a:chExt cx="0" cy="0"/>
-        </a:xfrm>
-      </p:grpSpPr>
-      <p:sp>
-        <p:nvSpPr>
-          <p:cNvPr id="2" name="Title 1">
-            <a:extLst>
-              <a:ext uri="{FF2B5EF4-FFF2-40B4-BE49-F238E27FC236}">
-                <a16:creationId xmlns:a16="http://schemas.microsoft.com/office/drawing/2014/main" id="{0369C4F5-37BB-544F-875F-E71CCBC7783F}"/>
-              </a:ext>
-            </a:extLst>
-          </p:cNvPr>
-          <p:cNvSpPr>
-            <a:spLocks noGrp="1"/>
-          </p:cNvSpPr>
-          <p:nvPr>
-            <p:ph type="title"/>
-          </p:nvPr>
-        </p:nvSpPr>
-        <p:spPr/>
-        <p:txBody>
-          <a:bodyPr/>
-          <a:lstStyle/>
-          <a:p>
-            <a:r>
-              <a:rPr lang="en-US" dirty="0"/>
-              <a:t>Lecture Review</a:t>
-            </a:r>
-          </a:p>
-        </p:txBody>
-      </p:sp>
-      <p:sp>
-        <p:nvSpPr>
-          <p:cNvPr id="3" name="Content Placeholder 2">
-            <a:extLst>
-              <a:ext uri="{FF2B5EF4-FFF2-40B4-BE49-F238E27FC236}">
-                <a16:creationId xmlns:a16="http://schemas.microsoft.com/office/drawing/2014/main" id="{7B34BD81-0456-EE4A-8044-57DBD9B85993}"/>
-              </a:ext>
-            </a:extLst>
-          </p:cNvPr>
-          <p:cNvSpPr>
-            <a:spLocks noGrp="1"/>
-          </p:cNvSpPr>
-          <p:nvPr>
-            <p:ph idx="1"/>
-          </p:nvPr>
-        </p:nvSpPr>
-        <p:spPr/>
-        <p:txBody>
-          <a:bodyPr>
-            <a:normAutofit/>
-          </a:bodyPr>
-          <a:lstStyle/>
-          <a:p>
-            <a:r>
-              <a:rPr lang="en-US" dirty="0"/>
-              <a:t>Service updates</a:t>
-            </a:r>
-          </a:p>
-          <a:p>
-            <a:pPr lvl="1"/>
-            <a:r>
-              <a:rPr lang="en-US" dirty="0"/>
-              <a:t>It's possible to resize services by scaling up or down.</a:t>
-            </a:r>
-          </a:p>
-          <a:p>
-            <a:pPr lvl="1"/>
-            <a:r>
-              <a:rPr lang="en-US" dirty="0"/>
-              <a:t>Update a service using a rolling deployment.</a:t>
-            </a:r>
-          </a:p>
-          <a:p>
-            <a:endParaRPr lang="en-US" dirty="0"/>
-          </a:p>
-          <a:p>
-            <a:r>
-              <a:rPr lang="en-US" dirty="0"/>
-              <a:t>Secrets</a:t>
-            </a:r>
-          </a:p>
-          <a:p>
-            <a:pPr lvl="1"/>
-            <a:r>
-              <a:rPr lang="en-US" dirty="0"/>
-              <a:t>Encrypted key/values which are injected into containers at run-time.</a:t>
-            </a:r>
-          </a:p>
-          <a:p>
-            <a:pPr lvl="1"/>
-            <a:endParaRPr lang="en-US" dirty="0"/>
-          </a:p>
-          <a:p>
-            <a:pPr lvl="1"/>
-            <a:endParaRPr lang="en-US" dirty="0"/>
-          </a:p>
-          <a:p>
-            <a:pPr lvl="2"/>
-            <a:endParaRPr lang="en-US" dirty="0"/>
-          </a:p>
-        </p:txBody>
-      </p:sp>
-    </p:spTree>
-    <p:extLst>
-      <p:ext uri="{BB962C8B-B14F-4D97-AF65-F5344CB8AC3E}">
-        <p14:creationId xmlns:p14="http://schemas.microsoft.com/office/powerpoint/2010/main" val="3162201792"/>
-      </p:ext>
-    </p:extLst>
-  </p:cSld>
-  <p:clrMapOvr>
-    <a:masterClrMapping/>
-  </p:clrMapOvr>
-</p:sld>
-</file>
-
-<file path=ppt/slides/slide7.xml><?xml version="1.0" encoding="utf-8"?>
 <p:sld xmlns:a="http://schemas.openxmlformats.org/drawingml/2006/main" xmlns:r="http://schemas.openxmlformats.org/officeDocument/2006/relationships" xmlns:p="http://schemas.openxmlformats.org/presentationml/2006/main">
   <p:cSld>
     <p:spTree>

--- a/review/lecture-review-week-13.pptx
+++ b/review/lecture-review-week-13.pptx
@@ -9,8 +9,7 @@
     <p:sldId id="260" r:id="rId3"/>
     <p:sldId id="261" r:id="rId4"/>
     <p:sldId id="270" r:id="rId5"/>
-    <p:sldId id="271" r:id="rId6"/>
-    <p:sldId id="269" r:id="rId7"/>
+    <p:sldId id="269" r:id="rId6"/>
   </p:sldIdLst>
   <p:sldSz cx="12192000" cy="6858000"/>
   <p:notesSz cx="6858000" cy="9144000"/>
@@ -264,7 +263,7 @@
           <a:p>
             <a:fld id="{DAC1E4EF-1A07-8740-80B6-D041CCD5E262}" type="datetimeFigureOut">
               <a:rPr lang="en-US" smtClean="0"/>
-              <a:t>12/3/18</a:t>
+              <a:t>7/15/19</a:t>
             </a:fld>
             <a:endParaRPr lang="en-US"/>
           </a:p>
@@ -462,7 +461,7 @@
           <a:p>
             <a:fld id="{DAC1E4EF-1A07-8740-80B6-D041CCD5E262}" type="datetimeFigureOut">
               <a:rPr lang="en-US" smtClean="0"/>
-              <a:t>12/3/18</a:t>
+              <a:t>7/15/19</a:t>
             </a:fld>
             <a:endParaRPr lang="en-US"/>
           </a:p>
@@ -670,7 +669,7 @@
           <a:p>
             <a:fld id="{DAC1E4EF-1A07-8740-80B6-D041CCD5E262}" type="datetimeFigureOut">
               <a:rPr lang="en-US" smtClean="0"/>
-              <a:t>12/3/18</a:t>
+              <a:t>7/15/19</a:t>
             </a:fld>
             <a:endParaRPr lang="en-US"/>
           </a:p>
@@ -868,7 +867,7 @@
           <a:p>
             <a:fld id="{DAC1E4EF-1A07-8740-80B6-D041CCD5E262}" type="datetimeFigureOut">
               <a:rPr lang="en-US" smtClean="0"/>
-              <a:t>12/3/18</a:t>
+              <a:t>7/15/19</a:t>
             </a:fld>
             <a:endParaRPr lang="en-US"/>
           </a:p>
@@ -1143,7 +1142,7 @@
           <a:p>
             <a:fld id="{DAC1E4EF-1A07-8740-80B6-D041CCD5E262}" type="datetimeFigureOut">
               <a:rPr lang="en-US" smtClean="0"/>
-              <a:t>12/3/18</a:t>
+              <a:t>7/15/19</a:t>
             </a:fld>
             <a:endParaRPr lang="en-US"/>
           </a:p>
@@ -1408,7 +1407,7 @@
           <a:p>
             <a:fld id="{DAC1E4EF-1A07-8740-80B6-D041CCD5E262}" type="datetimeFigureOut">
               <a:rPr lang="en-US" smtClean="0"/>
-              <a:t>12/3/18</a:t>
+              <a:t>7/15/19</a:t>
             </a:fld>
             <a:endParaRPr lang="en-US"/>
           </a:p>
@@ -1820,7 +1819,7 @@
           <a:p>
             <a:fld id="{DAC1E4EF-1A07-8740-80B6-D041CCD5E262}" type="datetimeFigureOut">
               <a:rPr lang="en-US" smtClean="0"/>
-              <a:t>12/3/18</a:t>
+              <a:t>7/15/19</a:t>
             </a:fld>
             <a:endParaRPr lang="en-US"/>
           </a:p>
@@ -1961,7 +1960,7 @@
           <a:p>
             <a:fld id="{DAC1E4EF-1A07-8740-80B6-D041CCD5E262}" type="datetimeFigureOut">
               <a:rPr lang="en-US" smtClean="0"/>
-              <a:t>12/3/18</a:t>
+              <a:t>7/15/19</a:t>
             </a:fld>
             <a:endParaRPr lang="en-US"/>
           </a:p>
@@ -2074,7 +2073,7 @@
           <a:p>
             <a:fld id="{DAC1E4EF-1A07-8740-80B6-D041CCD5E262}" type="datetimeFigureOut">
               <a:rPr lang="en-US" smtClean="0"/>
-              <a:t>12/3/18</a:t>
+              <a:t>7/15/19</a:t>
             </a:fld>
             <a:endParaRPr lang="en-US"/>
           </a:p>
@@ -2385,7 +2384,7 @@
           <a:p>
             <a:fld id="{DAC1E4EF-1A07-8740-80B6-D041CCD5E262}" type="datetimeFigureOut">
               <a:rPr lang="en-US" smtClean="0"/>
-              <a:t>12/3/18</a:t>
+              <a:t>7/15/19</a:t>
             </a:fld>
             <a:endParaRPr lang="en-US"/>
           </a:p>
@@ -2673,7 +2672,7 @@
           <a:p>
             <a:fld id="{DAC1E4EF-1A07-8740-80B6-D041CCD5E262}" type="datetimeFigureOut">
               <a:rPr lang="en-US" smtClean="0"/>
-              <a:t>12/3/18</a:t>
+              <a:t>7/15/19</a:t>
             </a:fld>
             <a:endParaRPr lang="en-US"/>
           </a:p>
@@ -2914,7 +2913,7 @@
           <a:p>
             <a:fld id="{DAC1E4EF-1A07-8740-80B6-D041CCD5E262}" type="datetimeFigureOut">
               <a:rPr lang="en-US" smtClean="0"/>
-              <a:t>12/3/18</a:t>
+              <a:t>7/15/19</a:t>
             </a:fld>
             <a:endParaRPr lang="en-US"/>
           </a:p>
@@ -3680,7 +3679,7 @@
         </p:spPr>
         <p:txBody>
           <a:bodyPr>
-            <a:normAutofit lnSpcReduction="10000"/>
+            <a:normAutofit/>
           </a:bodyPr>
           <a:lstStyle/>
           <a:p>
@@ -3690,58 +3689,45 @@
             </a:r>
           </a:p>
           <a:p>
+            <a:pPr marL="0" indent="0">
+              <a:buNone/>
+            </a:pPr>
+            <a:endParaRPr lang="en-US" dirty="0"/>
+          </a:p>
+          <a:p>
+            <a:r>
+              <a:rPr lang="en-US" dirty="0"/>
+              <a:t>Service discovery patterns and methods</a:t>
+            </a:r>
+          </a:p>
+          <a:p>
             <a:pPr lvl="1"/>
             <a:r>
               <a:rPr lang="en-US" dirty="0"/>
-              <a:t>Hard-code service locations.</a:t>
+              <a:t>ELB</a:t>
             </a:r>
           </a:p>
           <a:p>
             <a:pPr lvl="1"/>
             <a:r>
               <a:rPr lang="en-US" dirty="0"/>
-              <a:t>Outputs from infrastructure definition tools.</a:t>
+              <a:t>Systems Manager Parameter Store</a:t>
             </a:r>
           </a:p>
           <a:p>
             <a:pPr lvl="1"/>
             <a:r>
               <a:rPr lang="en-US" dirty="0"/>
-              <a:t>Service-discovery platforms.</a:t>
-            </a:r>
-          </a:p>
-          <a:p>
+              <a:t>Secrets Manager</a:t>
+            </a:r>
+          </a:p>
+          <a:p>
+            <a:pPr lvl="1"/>
+            <a:r>
+              <a:rPr lang="en-US" dirty="0" err="1"/>
+              <a:t>CloudMap</a:t>
+            </a:r>
             <a:endParaRPr lang="en-US" dirty="0"/>
-          </a:p>
-          <a:p>
-            <a:r>
-              <a:rPr lang="en-US" dirty="0"/>
-              <a:t>Lock servers: allow a group to nodes to synchronize and agree on shared information.</a:t>
-            </a:r>
-          </a:p>
-          <a:p>
-            <a:pPr lvl="1"/>
-            <a:r>
-              <a:rPr lang="en-US" dirty="0"/>
-              <a:t>RAFT algorithm</a:t>
-            </a:r>
-          </a:p>
-          <a:p>
-            <a:endParaRPr lang="en-US" dirty="0"/>
-          </a:p>
-          <a:p>
-            <a:r>
-              <a:rPr lang="en-US" dirty="0"/>
-              <a:t>Solutions: Zookeeper, </a:t>
-            </a:r>
-            <a:r>
-              <a:rPr lang="en-US" dirty="0" err="1"/>
-              <a:t>Etcd</a:t>
-            </a:r>
-            <a:r>
-              <a:rPr lang="en-US" dirty="0"/>
-              <a:t>, Consul</a:t>
-            </a:r>
           </a:p>
           <a:p>
             <a:endParaRPr lang="en-US" dirty="0"/>
@@ -3861,6 +3847,10 @@
             </a:r>
           </a:p>
           <a:p>
+            <a:pPr lvl="2"/>
+            <a:endParaRPr lang="en-US" dirty="0"/>
+          </a:p>
+          <a:p>
             <a:pPr lvl="1"/>
             <a:r>
               <a:rPr lang="en-US" dirty="0"/>
@@ -3873,60 +3863,32 @@
             <a:endParaRPr lang="en-US" dirty="0"/>
           </a:p>
           <a:p>
-            <a:pPr lvl="1"/>
+            <a:pPr lvl="2"/>
             <a:r>
               <a:rPr lang="en-US" dirty="0"/>
-              <a:t>Kubernetes</a:t>
+              <a:t>Container definition</a:t>
             </a:r>
           </a:p>
           <a:p>
             <a:pPr lvl="2"/>
             <a:r>
               <a:rPr lang="en-US" dirty="0"/>
-              <a:t>AWS Elastic Container Service for Kubernetes (EKS)</a:t>
-            </a:r>
-          </a:p>
-          <a:p>
-            <a:pPr lvl="1"/>
-            <a:endParaRPr lang="en-US" dirty="0"/>
-          </a:p>
-          <a:p>
+              <a:t>Task definition</a:t>
+            </a:r>
+          </a:p>
+          <a:p>
+            <a:pPr lvl="2"/>
             <a:r>
               <a:rPr lang="en-US" dirty="0"/>
-              <a:t>Docker Swarm Mode</a:t>
-            </a:r>
-          </a:p>
-          <a:p>
-            <a:pPr lvl="1"/>
+              <a:t>Service</a:t>
+            </a:r>
+          </a:p>
+          <a:p>
+            <a:pPr lvl="2"/>
             <a:r>
               <a:rPr lang="en-US" dirty="0"/>
-              <a:t>Container orchestration tool built into Docker engine.</a:t>
-            </a:r>
-          </a:p>
-          <a:p>
-            <a:pPr lvl="1"/>
-            <a:r>
-              <a:rPr lang="en-US" dirty="0"/>
-              <a:t>Manager and worker nodes.</a:t>
-            </a:r>
-          </a:p>
-          <a:p>
-            <a:pPr lvl="2"/>
-            <a:r>
-              <a:rPr lang="en-US" dirty="0"/>
-              <a:t>Managers monitor state of services and support service discovery</a:t>
-            </a:r>
-          </a:p>
-          <a:p>
-            <a:pPr lvl="2"/>
-            <a:r>
-              <a:rPr lang="en-US" dirty="0"/>
-              <a:t>Workers run containers.</a:t>
-            </a:r>
-          </a:p>
-          <a:p>
-            <a:pPr lvl="1"/>
-            <a:endParaRPr lang="en-US" dirty="0"/>
+              <a:t>Cluster</a:t>
+            </a:r>
           </a:p>
         </p:txBody>
       </p:sp>
@@ -3965,188 +3927,6 @@
           <p:cNvPr id="2" name="Title 1">
             <a:extLst>
               <a:ext uri="{FF2B5EF4-FFF2-40B4-BE49-F238E27FC236}">
-                <a16:creationId xmlns:a16="http://schemas.microsoft.com/office/drawing/2014/main" id="{0369C4F5-37BB-544F-875F-E71CCBC7783F}"/>
-              </a:ext>
-            </a:extLst>
-          </p:cNvPr>
-          <p:cNvSpPr>
-            <a:spLocks noGrp="1"/>
-          </p:cNvSpPr>
-          <p:nvPr>
-            <p:ph type="title"/>
-          </p:nvPr>
-        </p:nvSpPr>
-        <p:spPr/>
-        <p:txBody>
-          <a:bodyPr/>
-          <a:lstStyle/>
-          <a:p>
-            <a:r>
-              <a:rPr lang="en-US" dirty="0"/>
-              <a:t>Lecture Review</a:t>
-            </a:r>
-          </a:p>
-        </p:txBody>
-      </p:sp>
-      <p:sp>
-        <p:nvSpPr>
-          <p:cNvPr id="3" name="Content Placeholder 2">
-            <a:extLst>
-              <a:ext uri="{FF2B5EF4-FFF2-40B4-BE49-F238E27FC236}">
-                <a16:creationId xmlns:a16="http://schemas.microsoft.com/office/drawing/2014/main" id="{7B34BD81-0456-EE4A-8044-57DBD9B85993}"/>
-              </a:ext>
-            </a:extLst>
-          </p:cNvPr>
-          <p:cNvSpPr>
-            <a:spLocks noGrp="1"/>
-          </p:cNvSpPr>
-          <p:nvPr>
-            <p:ph idx="1"/>
-          </p:nvPr>
-        </p:nvSpPr>
-        <p:spPr/>
-        <p:txBody>
-          <a:bodyPr>
-            <a:normAutofit fontScale="85000" lnSpcReduction="20000"/>
-          </a:bodyPr>
-          <a:lstStyle/>
-          <a:p>
-            <a:r>
-              <a:rPr lang="en-US" dirty="0"/>
-              <a:t>Swarm service</a:t>
-            </a:r>
-          </a:p>
-          <a:p>
-            <a:pPr lvl="1"/>
-            <a:r>
-              <a:rPr lang="en-US" dirty="0"/>
-              <a:t>Schedules tasks (containers) on worker nodes.</a:t>
-            </a:r>
-          </a:p>
-          <a:p>
-            <a:pPr lvl="1"/>
-            <a:r>
-              <a:rPr lang="en-US" dirty="0"/>
-              <a:t>Replicated vs. global services.</a:t>
-            </a:r>
-          </a:p>
-          <a:p>
-            <a:pPr lvl="1"/>
-            <a:endParaRPr lang="en-US" dirty="0"/>
-          </a:p>
-          <a:p>
-            <a:r>
-              <a:rPr lang="en-US" dirty="0"/>
-              <a:t>Service updates</a:t>
-            </a:r>
-          </a:p>
-          <a:p>
-            <a:pPr lvl="1"/>
-            <a:r>
-              <a:rPr lang="en-US" dirty="0"/>
-              <a:t>It's possible to resize services by scaling up or down.</a:t>
-            </a:r>
-          </a:p>
-          <a:p>
-            <a:pPr lvl="1"/>
-            <a:r>
-              <a:rPr lang="en-US" dirty="0"/>
-              <a:t>Update a service using a rolling deployment.</a:t>
-            </a:r>
-          </a:p>
-          <a:p>
-            <a:endParaRPr lang="en-US" dirty="0"/>
-          </a:p>
-          <a:p>
-            <a:r>
-              <a:rPr lang="en-US" dirty="0"/>
-              <a:t>Swarm networking</a:t>
-            </a:r>
-          </a:p>
-          <a:p>
-            <a:pPr lvl="1"/>
-            <a:r>
-              <a:rPr lang="en-US" dirty="0"/>
-              <a:t>Define overlay (virtual) networks to connect swarm services.</a:t>
-            </a:r>
-          </a:p>
-          <a:p>
-            <a:pPr lvl="1"/>
-            <a:r>
-              <a:rPr lang="en-US" dirty="0"/>
-              <a:t>Any service on an overlay network can see any other service on the same network.</a:t>
-            </a:r>
-          </a:p>
-          <a:p>
-            <a:pPr lvl="1"/>
-            <a:r>
-              <a:rPr lang="en-US" dirty="0"/>
-              <a:t>Services can connect using service names (service-discovery)</a:t>
-            </a:r>
-          </a:p>
-          <a:p>
-            <a:pPr lvl="1"/>
-            <a:r>
-              <a:rPr lang="en-US" dirty="0"/>
-              <a:t>Services are only available within the cluster unless the service is published.</a:t>
-            </a:r>
-          </a:p>
-          <a:p>
-            <a:pPr lvl="1"/>
-            <a:r>
-              <a:rPr lang="en-US" dirty="0"/>
-              <a:t>Published services are accessible via the ingress routing mesh.</a:t>
-            </a:r>
-          </a:p>
-          <a:p>
-            <a:pPr lvl="1"/>
-            <a:endParaRPr lang="en-US" dirty="0"/>
-          </a:p>
-          <a:p>
-            <a:pPr lvl="1"/>
-            <a:endParaRPr lang="en-US" dirty="0"/>
-          </a:p>
-          <a:p>
-            <a:pPr lvl="2"/>
-            <a:endParaRPr lang="en-US" dirty="0"/>
-          </a:p>
-        </p:txBody>
-      </p:sp>
-    </p:spTree>
-    <p:extLst>
-      <p:ext uri="{BB962C8B-B14F-4D97-AF65-F5344CB8AC3E}">
-        <p14:creationId xmlns:p14="http://schemas.microsoft.com/office/powerpoint/2010/main" val="2959586760"/>
-      </p:ext>
-    </p:extLst>
-  </p:cSld>
-  <p:clrMapOvr>
-    <a:masterClrMapping/>
-  </p:clrMapOvr>
-</p:sld>
-</file>
-
-<file path=ppt/slides/slide6.xml><?xml version="1.0" encoding="utf-8"?>
-<p:sld xmlns:a="http://schemas.openxmlformats.org/drawingml/2006/main" xmlns:r="http://schemas.openxmlformats.org/officeDocument/2006/relationships" xmlns:p="http://schemas.openxmlformats.org/presentationml/2006/main">
-  <p:cSld>
-    <p:spTree>
-      <p:nvGrpSpPr>
-        <p:cNvPr id="1" name=""/>
-        <p:cNvGrpSpPr/>
-        <p:nvPr/>
-      </p:nvGrpSpPr>
-      <p:grpSpPr>
-        <a:xfrm>
-          <a:off x="0" y="0"/>
-          <a:ext cx="0" cy="0"/>
-          <a:chOff x="0" y="0"/>
-          <a:chExt cx="0" cy="0"/>
-        </a:xfrm>
-      </p:grpSpPr>
-      <p:sp>
-        <p:nvSpPr>
-          <p:cNvPr id="2" name="Title 1">
-            <a:extLst>
-              <a:ext uri="{FF2B5EF4-FFF2-40B4-BE49-F238E27FC236}">
                 <a16:creationId xmlns:a16="http://schemas.microsoft.com/office/drawing/2014/main" id="{E13FF194-DC87-3B42-A050-6E8E5B014760}"/>
               </a:ext>
             </a:extLst>
@@ -4200,13 +3980,8 @@
             <a:pPr lvl="1"/>
             <a:r>
               <a:rPr lang="en-US" dirty="0"/>
-              <a:t>Build a Docker Swarm cluster and launch a set </a:t>
-            </a:r>
-            <a:r>
-              <a:rPr lang="en-US"/>
-              <a:t>of services.</a:t>
-            </a:r>
-            <a:endParaRPr lang="en-US" dirty="0"/>
+              <a:t>Build a Fargate cluster and launch a set of services.</a:t>
+            </a:r>
           </a:p>
           <a:p>
             <a:endParaRPr lang="en-US" dirty="0"/>

--- a/review/lecture-review-week-13.pptx
+++ b/review/lecture-review-week-13.pptx
@@ -263,7 +263,7 @@
           <a:p>
             <a:fld id="{DAC1E4EF-1A07-8740-80B6-D041CCD5E262}" type="datetimeFigureOut">
               <a:rPr lang="en-US" smtClean="0"/>
-              <a:t>7/15/19</a:t>
+              <a:t>11/23/19</a:t>
             </a:fld>
             <a:endParaRPr lang="en-US"/>
           </a:p>
@@ -461,7 +461,7 @@
           <a:p>
             <a:fld id="{DAC1E4EF-1A07-8740-80B6-D041CCD5E262}" type="datetimeFigureOut">
               <a:rPr lang="en-US" smtClean="0"/>
-              <a:t>7/15/19</a:t>
+              <a:t>11/23/19</a:t>
             </a:fld>
             <a:endParaRPr lang="en-US"/>
           </a:p>
@@ -669,7 +669,7 @@
           <a:p>
             <a:fld id="{DAC1E4EF-1A07-8740-80B6-D041CCD5E262}" type="datetimeFigureOut">
               <a:rPr lang="en-US" smtClean="0"/>
-              <a:t>7/15/19</a:t>
+              <a:t>11/23/19</a:t>
             </a:fld>
             <a:endParaRPr lang="en-US"/>
           </a:p>
@@ -867,7 +867,7 @@
           <a:p>
             <a:fld id="{DAC1E4EF-1A07-8740-80B6-D041CCD5E262}" type="datetimeFigureOut">
               <a:rPr lang="en-US" smtClean="0"/>
-              <a:t>7/15/19</a:t>
+              <a:t>11/23/19</a:t>
             </a:fld>
             <a:endParaRPr lang="en-US"/>
           </a:p>
@@ -1142,7 +1142,7 @@
           <a:p>
             <a:fld id="{DAC1E4EF-1A07-8740-80B6-D041CCD5E262}" type="datetimeFigureOut">
               <a:rPr lang="en-US" smtClean="0"/>
-              <a:t>7/15/19</a:t>
+              <a:t>11/23/19</a:t>
             </a:fld>
             <a:endParaRPr lang="en-US"/>
           </a:p>
@@ -1407,7 +1407,7 @@
           <a:p>
             <a:fld id="{DAC1E4EF-1A07-8740-80B6-D041CCD5E262}" type="datetimeFigureOut">
               <a:rPr lang="en-US" smtClean="0"/>
-              <a:t>7/15/19</a:t>
+              <a:t>11/23/19</a:t>
             </a:fld>
             <a:endParaRPr lang="en-US"/>
           </a:p>
@@ -1819,7 +1819,7 @@
           <a:p>
             <a:fld id="{DAC1E4EF-1A07-8740-80B6-D041CCD5E262}" type="datetimeFigureOut">
               <a:rPr lang="en-US" smtClean="0"/>
-              <a:t>7/15/19</a:t>
+              <a:t>11/23/19</a:t>
             </a:fld>
             <a:endParaRPr lang="en-US"/>
           </a:p>
@@ -1960,7 +1960,7 @@
           <a:p>
             <a:fld id="{DAC1E4EF-1A07-8740-80B6-D041CCD5E262}" type="datetimeFigureOut">
               <a:rPr lang="en-US" smtClean="0"/>
-              <a:t>7/15/19</a:t>
+              <a:t>11/23/19</a:t>
             </a:fld>
             <a:endParaRPr lang="en-US"/>
           </a:p>
@@ -2073,7 +2073,7 @@
           <a:p>
             <a:fld id="{DAC1E4EF-1A07-8740-80B6-D041CCD5E262}" type="datetimeFigureOut">
               <a:rPr lang="en-US" smtClean="0"/>
-              <a:t>7/15/19</a:t>
+              <a:t>11/23/19</a:t>
             </a:fld>
             <a:endParaRPr lang="en-US"/>
           </a:p>
@@ -2384,7 +2384,7 @@
           <a:p>
             <a:fld id="{DAC1E4EF-1A07-8740-80B6-D041CCD5E262}" type="datetimeFigureOut">
               <a:rPr lang="en-US" smtClean="0"/>
-              <a:t>7/15/19</a:t>
+              <a:t>11/23/19</a:t>
             </a:fld>
             <a:endParaRPr lang="en-US"/>
           </a:p>
@@ -2672,7 +2672,7 @@
           <a:p>
             <a:fld id="{DAC1E4EF-1A07-8740-80B6-D041CCD5E262}" type="datetimeFigureOut">
               <a:rPr lang="en-US" smtClean="0"/>
-              <a:t>7/15/19</a:t>
+              <a:t>11/23/19</a:t>
             </a:fld>
             <a:endParaRPr lang="en-US"/>
           </a:p>
@@ -2913,7 +2913,7 @@
           <a:p>
             <a:fld id="{DAC1E4EF-1A07-8740-80B6-D041CCD5E262}" type="datetimeFigureOut">
               <a:rPr lang="en-US" smtClean="0"/>
-              <a:t>7/15/19</a:t>
+              <a:t>11/23/19</a:t>
             </a:fld>
             <a:endParaRPr lang="en-US"/>
           </a:p>

--- a/review/lecture-review-week-13.pptx
+++ b/review/lecture-review-week-13.pptx
@@ -263,7 +263,7 @@
           <a:p>
             <a:fld id="{DAC1E4EF-1A07-8740-80B6-D041CCD5E262}" type="datetimeFigureOut">
               <a:rPr lang="en-US" smtClean="0"/>
-              <a:t>11/23/19</a:t>
+              <a:t>12/1/19</a:t>
             </a:fld>
             <a:endParaRPr lang="en-US"/>
           </a:p>
@@ -461,7 +461,7 @@
           <a:p>
             <a:fld id="{DAC1E4EF-1A07-8740-80B6-D041CCD5E262}" type="datetimeFigureOut">
               <a:rPr lang="en-US" smtClean="0"/>
-              <a:t>11/23/19</a:t>
+              <a:t>12/1/19</a:t>
             </a:fld>
             <a:endParaRPr lang="en-US"/>
           </a:p>
@@ -669,7 +669,7 @@
           <a:p>
             <a:fld id="{DAC1E4EF-1A07-8740-80B6-D041CCD5E262}" type="datetimeFigureOut">
               <a:rPr lang="en-US" smtClean="0"/>
-              <a:t>11/23/19</a:t>
+              <a:t>12/1/19</a:t>
             </a:fld>
             <a:endParaRPr lang="en-US"/>
           </a:p>
@@ -867,7 +867,7 @@
           <a:p>
             <a:fld id="{DAC1E4EF-1A07-8740-80B6-D041CCD5E262}" type="datetimeFigureOut">
               <a:rPr lang="en-US" smtClean="0"/>
-              <a:t>11/23/19</a:t>
+              <a:t>12/1/19</a:t>
             </a:fld>
             <a:endParaRPr lang="en-US"/>
           </a:p>
@@ -1142,7 +1142,7 @@
           <a:p>
             <a:fld id="{DAC1E4EF-1A07-8740-80B6-D041CCD5E262}" type="datetimeFigureOut">
               <a:rPr lang="en-US" smtClean="0"/>
-              <a:t>11/23/19</a:t>
+              <a:t>12/1/19</a:t>
             </a:fld>
             <a:endParaRPr lang="en-US"/>
           </a:p>
@@ -1407,7 +1407,7 @@
           <a:p>
             <a:fld id="{DAC1E4EF-1A07-8740-80B6-D041CCD5E262}" type="datetimeFigureOut">
               <a:rPr lang="en-US" smtClean="0"/>
-              <a:t>11/23/19</a:t>
+              <a:t>12/1/19</a:t>
             </a:fld>
             <a:endParaRPr lang="en-US"/>
           </a:p>
@@ -1819,7 +1819,7 @@
           <a:p>
             <a:fld id="{DAC1E4EF-1A07-8740-80B6-D041CCD5E262}" type="datetimeFigureOut">
               <a:rPr lang="en-US" smtClean="0"/>
-              <a:t>11/23/19</a:t>
+              <a:t>12/1/19</a:t>
             </a:fld>
             <a:endParaRPr lang="en-US"/>
           </a:p>
@@ -1960,7 +1960,7 @@
           <a:p>
             <a:fld id="{DAC1E4EF-1A07-8740-80B6-D041CCD5E262}" type="datetimeFigureOut">
               <a:rPr lang="en-US" smtClean="0"/>
-              <a:t>11/23/19</a:t>
+              <a:t>12/1/19</a:t>
             </a:fld>
             <a:endParaRPr lang="en-US"/>
           </a:p>
@@ -2073,7 +2073,7 @@
           <a:p>
             <a:fld id="{DAC1E4EF-1A07-8740-80B6-D041CCD5E262}" type="datetimeFigureOut">
               <a:rPr lang="en-US" smtClean="0"/>
-              <a:t>11/23/19</a:t>
+              <a:t>12/1/19</a:t>
             </a:fld>
             <a:endParaRPr lang="en-US"/>
           </a:p>
@@ -2384,7 +2384,7 @@
           <a:p>
             <a:fld id="{DAC1E4EF-1A07-8740-80B6-D041CCD5E262}" type="datetimeFigureOut">
               <a:rPr lang="en-US" smtClean="0"/>
-              <a:t>11/23/19</a:t>
+              <a:t>12/1/19</a:t>
             </a:fld>
             <a:endParaRPr lang="en-US"/>
           </a:p>
@@ -2672,7 +2672,7 @@
           <a:p>
             <a:fld id="{DAC1E4EF-1A07-8740-80B6-D041CCD5E262}" type="datetimeFigureOut">
               <a:rPr lang="en-US" smtClean="0"/>
-              <a:t>11/23/19</a:t>
+              <a:t>12/1/19</a:t>
             </a:fld>
             <a:endParaRPr lang="en-US"/>
           </a:p>
@@ -2913,7 +2913,7 @@
           <a:p>
             <a:fld id="{DAC1E4EF-1A07-8740-80B6-D041CCD5E262}" type="datetimeFigureOut">
               <a:rPr lang="en-US" smtClean="0"/>
-              <a:t>11/23/19</a:t>
+              <a:t>12/1/19</a:t>
             </a:fld>
             <a:endParaRPr lang="en-US"/>
           </a:p>
@@ -3866,7 +3866,14 @@
             <a:pPr lvl="2"/>
             <a:r>
               <a:rPr lang="en-US" dirty="0"/>
-              <a:t>Container definition</a:t>
+              <a:t>Cluster</a:t>
+            </a:r>
+          </a:p>
+          <a:p>
+            <a:pPr lvl="2"/>
+            <a:r>
+              <a:rPr lang="en-US" dirty="0"/>
+              <a:t>Service</a:t>
             </a:r>
           </a:p>
           <a:p>
@@ -3880,18 +3887,41 @@
             <a:pPr lvl="2"/>
             <a:r>
               <a:rPr lang="en-US" dirty="0"/>
-              <a:t>Service</a:t>
-            </a:r>
-          </a:p>
-          <a:p>
-            <a:pPr lvl="2"/>
-            <a:r>
-              <a:rPr lang="en-US" dirty="0"/>
-              <a:t>Cluster</a:t>
-            </a:r>
-          </a:p>
-        </p:txBody>
-      </p:sp>
+              <a:t>Container definition</a:t>
+            </a:r>
+          </a:p>
+        </p:txBody>
+      </p:sp>
+      <p:pic>
+        <p:nvPicPr>
+          <p:cNvPr id="5" name="Picture 4">
+            <a:extLst>
+              <a:ext uri="{FF2B5EF4-FFF2-40B4-BE49-F238E27FC236}">
+                <a16:creationId xmlns:a16="http://schemas.microsoft.com/office/drawing/2014/main" id="{495639F1-23B6-3242-A868-06B159D9407C}"/>
+              </a:ext>
+            </a:extLst>
+          </p:cNvPr>
+          <p:cNvPicPr>
+            <a:picLocks noChangeAspect="1"/>
+          </p:cNvPicPr>
+          <p:nvPr/>
+        </p:nvPicPr>
+        <p:blipFill>
+          <a:blip r:embed="rId2"/>
+          <a:stretch>
+            <a:fillRect/>
+          </a:stretch>
+        </p:blipFill>
+        <p:spPr>
+          <a:xfrm>
+            <a:off x="5396948" y="3069388"/>
+            <a:ext cx="5742056" cy="2859856"/>
+          </a:xfrm>
+          <a:prstGeom prst="rect">
+            <a:avLst/>
+          </a:prstGeom>
+        </p:spPr>
+      </p:pic>
     </p:spTree>
     <p:extLst>
       <p:ext uri="{BB962C8B-B14F-4D97-AF65-F5344CB8AC3E}">

--- a/review/lecture-review-week-13.pptx
+++ b/review/lecture-review-week-13.pptx
@@ -263,7 +263,7 @@
           <a:p>
             <a:fld id="{DAC1E4EF-1A07-8740-80B6-D041CCD5E262}" type="datetimeFigureOut">
               <a:rPr lang="en-US" smtClean="0"/>
-              <a:t>12/1/19</a:t>
+              <a:t>8/10/20</a:t>
             </a:fld>
             <a:endParaRPr lang="en-US"/>
           </a:p>
@@ -461,7 +461,7 @@
           <a:p>
             <a:fld id="{DAC1E4EF-1A07-8740-80B6-D041CCD5E262}" type="datetimeFigureOut">
               <a:rPr lang="en-US" smtClean="0"/>
-              <a:t>12/1/19</a:t>
+              <a:t>8/10/20</a:t>
             </a:fld>
             <a:endParaRPr lang="en-US"/>
           </a:p>
@@ -669,7 +669,7 @@
           <a:p>
             <a:fld id="{DAC1E4EF-1A07-8740-80B6-D041CCD5E262}" type="datetimeFigureOut">
               <a:rPr lang="en-US" smtClean="0"/>
-              <a:t>12/1/19</a:t>
+              <a:t>8/10/20</a:t>
             </a:fld>
             <a:endParaRPr lang="en-US"/>
           </a:p>
@@ -867,7 +867,7 @@
           <a:p>
             <a:fld id="{DAC1E4EF-1A07-8740-80B6-D041CCD5E262}" type="datetimeFigureOut">
               <a:rPr lang="en-US" smtClean="0"/>
-              <a:t>12/1/19</a:t>
+              <a:t>8/10/20</a:t>
             </a:fld>
             <a:endParaRPr lang="en-US"/>
           </a:p>
@@ -1142,7 +1142,7 @@
           <a:p>
             <a:fld id="{DAC1E4EF-1A07-8740-80B6-D041CCD5E262}" type="datetimeFigureOut">
               <a:rPr lang="en-US" smtClean="0"/>
-              <a:t>12/1/19</a:t>
+              <a:t>8/10/20</a:t>
             </a:fld>
             <a:endParaRPr lang="en-US"/>
           </a:p>
@@ -1407,7 +1407,7 @@
           <a:p>
             <a:fld id="{DAC1E4EF-1A07-8740-80B6-D041CCD5E262}" type="datetimeFigureOut">
               <a:rPr lang="en-US" smtClean="0"/>
-              <a:t>12/1/19</a:t>
+              <a:t>8/10/20</a:t>
             </a:fld>
             <a:endParaRPr lang="en-US"/>
           </a:p>
@@ -1819,7 +1819,7 @@
           <a:p>
             <a:fld id="{DAC1E4EF-1A07-8740-80B6-D041CCD5E262}" type="datetimeFigureOut">
               <a:rPr lang="en-US" smtClean="0"/>
-              <a:t>12/1/19</a:t>
+              <a:t>8/10/20</a:t>
             </a:fld>
             <a:endParaRPr lang="en-US"/>
           </a:p>
@@ -1960,7 +1960,7 @@
           <a:p>
             <a:fld id="{DAC1E4EF-1A07-8740-80B6-D041CCD5E262}" type="datetimeFigureOut">
               <a:rPr lang="en-US" smtClean="0"/>
-              <a:t>12/1/19</a:t>
+              <a:t>8/10/20</a:t>
             </a:fld>
             <a:endParaRPr lang="en-US"/>
           </a:p>
@@ -2073,7 +2073,7 @@
           <a:p>
             <a:fld id="{DAC1E4EF-1A07-8740-80B6-D041CCD5E262}" type="datetimeFigureOut">
               <a:rPr lang="en-US" smtClean="0"/>
-              <a:t>12/1/19</a:t>
+              <a:t>8/10/20</a:t>
             </a:fld>
             <a:endParaRPr lang="en-US"/>
           </a:p>
@@ -2384,7 +2384,7 @@
           <a:p>
             <a:fld id="{DAC1E4EF-1A07-8740-80B6-D041CCD5E262}" type="datetimeFigureOut">
               <a:rPr lang="en-US" smtClean="0"/>
-              <a:t>12/1/19</a:t>
+              <a:t>8/10/20</a:t>
             </a:fld>
             <a:endParaRPr lang="en-US"/>
           </a:p>
@@ -2672,7 +2672,7 @@
           <a:p>
             <a:fld id="{DAC1E4EF-1A07-8740-80B6-D041CCD5E262}" type="datetimeFigureOut">
               <a:rPr lang="en-US" smtClean="0"/>
-              <a:t>12/1/19</a:t>
+              <a:t>8/10/20</a:t>
             </a:fld>
             <a:endParaRPr lang="en-US"/>
           </a:p>
@@ -2913,7 +2913,7 @@
           <a:p>
             <a:fld id="{DAC1E4EF-1A07-8740-80B6-D041CCD5E262}" type="datetimeFigureOut">
               <a:rPr lang="en-US" smtClean="0"/>
-              <a:t>12/1/19</a:t>
+              <a:t>8/10/20</a:t>
             </a:fld>
             <a:endParaRPr lang="en-US"/>
           </a:p>
@@ -3360,8 +3360,8 @@
               <a:rPr lang="en-US" sz="3600" dirty="0"/>
             </a:br>
             <a:r>
-              <a:rPr lang="en-US" sz="3600" dirty="0"/>
-              <a:t>SEIS 665</a:t>
+              <a:rPr lang="en-US" sz="3600"/>
+              <a:t>SEIS 615</a:t>
             </a:r>
             <a:br>
               <a:rPr lang="en-US" sz="3600" dirty="0"/>

--- a/review/lecture-review-week-13.pptx
+++ b/review/lecture-review-week-13.pptx
@@ -263,7 +263,7 @@
           <a:p>
             <a:fld id="{DAC1E4EF-1A07-8740-80B6-D041CCD5E262}" type="datetimeFigureOut">
               <a:rPr lang="en-US" smtClean="0"/>
-              <a:t>8/10/20</a:t>
+              <a:t>12/7/20</a:t>
             </a:fld>
             <a:endParaRPr lang="en-US"/>
           </a:p>
@@ -461,7 +461,7 @@
           <a:p>
             <a:fld id="{DAC1E4EF-1A07-8740-80B6-D041CCD5E262}" type="datetimeFigureOut">
               <a:rPr lang="en-US" smtClean="0"/>
-              <a:t>8/10/20</a:t>
+              <a:t>12/7/20</a:t>
             </a:fld>
             <a:endParaRPr lang="en-US"/>
           </a:p>
@@ -669,7 +669,7 @@
           <a:p>
             <a:fld id="{DAC1E4EF-1A07-8740-80B6-D041CCD5E262}" type="datetimeFigureOut">
               <a:rPr lang="en-US" smtClean="0"/>
-              <a:t>8/10/20</a:t>
+              <a:t>12/7/20</a:t>
             </a:fld>
             <a:endParaRPr lang="en-US"/>
           </a:p>
@@ -867,7 +867,7 @@
           <a:p>
             <a:fld id="{DAC1E4EF-1A07-8740-80B6-D041CCD5E262}" type="datetimeFigureOut">
               <a:rPr lang="en-US" smtClean="0"/>
-              <a:t>8/10/20</a:t>
+              <a:t>12/7/20</a:t>
             </a:fld>
             <a:endParaRPr lang="en-US"/>
           </a:p>
@@ -1142,7 +1142,7 @@
           <a:p>
             <a:fld id="{DAC1E4EF-1A07-8740-80B6-D041CCD5E262}" type="datetimeFigureOut">
               <a:rPr lang="en-US" smtClean="0"/>
-              <a:t>8/10/20</a:t>
+              <a:t>12/7/20</a:t>
             </a:fld>
             <a:endParaRPr lang="en-US"/>
           </a:p>
@@ -1407,7 +1407,7 @@
           <a:p>
             <a:fld id="{DAC1E4EF-1A07-8740-80B6-D041CCD5E262}" type="datetimeFigureOut">
               <a:rPr lang="en-US" smtClean="0"/>
-              <a:t>8/10/20</a:t>
+              <a:t>12/7/20</a:t>
             </a:fld>
             <a:endParaRPr lang="en-US"/>
           </a:p>
@@ -1819,7 +1819,7 @@
           <a:p>
             <a:fld id="{DAC1E4EF-1A07-8740-80B6-D041CCD5E262}" type="datetimeFigureOut">
               <a:rPr lang="en-US" smtClean="0"/>
-              <a:t>8/10/20</a:t>
+              <a:t>12/7/20</a:t>
             </a:fld>
             <a:endParaRPr lang="en-US"/>
           </a:p>
@@ -1960,7 +1960,7 @@
           <a:p>
             <a:fld id="{DAC1E4EF-1A07-8740-80B6-D041CCD5E262}" type="datetimeFigureOut">
               <a:rPr lang="en-US" smtClean="0"/>
-              <a:t>8/10/20</a:t>
+              <a:t>12/7/20</a:t>
             </a:fld>
             <a:endParaRPr lang="en-US"/>
           </a:p>
@@ -2073,7 +2073,7 @@
           <a:p>
             <a:fld id="{DAC1E4EF-1A07-8740-80B6-D041CCD5E262}" type="datetimeFigureOut">
               <a:rPr lang="en-US" smtClean="0"/>
-              <a:t>8/10/20</a:t>
+              <a:t>12/7/20</a:t>
             </a:fld>
             <a:endParaRPr lang="en-US"/>
           </a:p>
@@ -2384,7 +2384,7 @@
           <a:p>
             <a:fld id="{DAC1E4EF-1A07-8740-80B6-D041CCD5E262}" type="datetimeFigureOut">
               <a:rPr lang="en-US" smtClean="0"/>
-              <a:t>8/10/20</a:t>
+              <a:t>12/7/20</a:t>
             </a:fld>
             <a:endParaRPr lang="en-US"/>
           </a:p>
@@ -2672,7 +2672,7 @@
           <a:p>
             <a:fld id="{DAC1E4EF-1A07-8740-80B6-D041CCD5E262}" type="datetimeFigureOut">
               <a:rPr lang="en-US" smtClean="0"/>
-              <a:t>8/10/20</a:t>
+              <a:t>12/7/20</a:t>
             </a:fld>
             <a:endParaRPr lang="en-US"/>
           </a:p>
@@ -2913,7 +2913,7 @@
           <a:p>
             <a:fld id="{DAC1E4EF-1A07-8740-80B6-D041CCD5E262}" type="datetimeFigureOut">
               <a:rPr lang="en-US" smtClean="0"/>
-              <a:t>8/10/20</a:t>
+              <a:t>12/7/20</a:t>
             </a:fld>
             <a:endParaRPr lang="en-US"/>
           </a:p>
@@ -3550,12 +3550,6 @@
           <a:p>
             <a:r>
               <a:rPr lang="en-US" dirty="0"/>
-              <a:t>Continuous Course Improvement</a:t>
-            </a:r>
-          </a:p>
-          <a:p>
-            <a:r>
-              <a:rPr lang="en-US" dirty="0"/>
               <a:t>Lecture review</a:t>
             </a:r>
           </a:p>

--- a/review/lecture-review-week-13.pptx
+++ b/review/lecture-review-week-13.pptx
@@ -263,7 +263,7 @@
           <a:p>
             <a:fld id="{DAC1E4EF-1A07-8740-80B6-D041CCD5E262}" type="datetimeFigureOut">
               <a:rPr lang="en-US" smtClean="0"/>
-              <a:t>12/7/20</a:t>
+              <a:t>9/11/21</a:t>
             </a:fld>
             <a:endParaRPr lang="en-US"/>
           </a:p>
@@ -461,7 +461,7 @@
           <a:p>
             <a:fld id="{DAC1E4EF-1A07-8740-80B6-D041CCD5E262}" type="datetimeFigureOut">
               <a:rPr lang="en-US" smtClean="0"/>
-              <a:t>12/7/20</a:t>
+              <a:t>9/11/21</a:t>
             </a:fld>
             <a:endParaRPr lang="en-US"/>
           </a:p>
@@ -669,7 +669,7 @@
           <a:p>
             <a:fld id="{DAC1E4EF-1A07-8740-80B6-D041CCD5E262}" type="datetimeFigureOut">
               <a:rPr lang="en-US" smtClean="0"/>
-              <a:t>12/7/20</a:t>
+              <a:t>9/11/21</a:t>
             </a:fld>
             <a:endParaRPr lang="en-US"/>
           </a:p>
@@ -867,7 +867,7 @@
           <a:p>
             <a:fld id="{DAC1E4EF-1A07-8740-80B6-D041CCD5E262}" type="datetimeFigureOut">
               <a:rPr lang="en-US" smtClean="0"/>
-              <a:t>12/7/20</a:t>
+              <a:t>9/11/21</a:t>
             </a:fld>
             <a:endParaRPr lang="en-US"/>
           </a:p>
@@ -1142,7 +1142,7 @@
           <a:p>
             <a:fld id="{DAC1E4EF-1A07-8740-80B6-D041CCD5E262}" type="datetimeFigureOut">
               <a:rPr lang="en-US" smtClean="0"/>
-              <a:t>12/7/20</a:t>
+              <a:t>9/11/21</a:t>
             </a:fld>
             <a:endParaRPr lang="en-US"/>
           </a:p>
@@ -1407,7 +1407,7 @@
           <a:p>
             <a:fld id="{DAC1E4EF-1A07-8740-80B6-D041CCD5E262}" type="datetimeFigureOut">
               <a:rPr lang="en-US" smtClean="0"/>
-              <a:t>12/7/20</a:t>
+              <a:t>9/11/21</a:t>
             </a:fld>
             <a:endParaRPr lang="en-US"/>
           </a:p>
@@ -1819,7 +1819,7 @@
           <a:p>
             <a:fld id="{DAC1E4EF-1A07-8740-80B6-D041CCD5E262}" type="datetimeFigureOut">
               <a:rPr lang="en-US" smtClean="0"/>
-              <a:t>12/7/20</a:t>
+              <a:t>9/11/21</a:t>
             </a:fld>
             <a:endParaRPr lang="en-US"/>
           </a:p>
@@ -1960,7 +1960,7 @@
           <a:p>
             <a:fld id="{DAC1E4EF-1A07-8740-80B6-D041CCD5E262}" type="datetimeFigureOut">
               <a:rPr lang="en-US" smtClean="0"/>
-              <a:t>12/7/20</a:t>
+              <a:t>9/11/21</a:t>
             </a:fld>
             <a:endParaRPr lang="en-US"/>
           </a:p>
@@ -2073,7 +2073,7 @@
           <a:p>
             <a:fld id="{DAC1E4EF-1A07-8740-80B6-D041CCD5E262}" type="datetimeFigureOut">
               <a:rPr lang="en-US" smtClean="0"/>
-              <a:t>12/7/20</a:t>
+              <a:t>9/11/21</a:t>
             </a:fld>
             <a:endParaRPr lang="en-US"/>
           </a:p>
@@ -2384,7 +2384,7 @@
           <a:p>
             <a:fld id="{DAC1E4EF-1A07-8740-80B6-D041CCD5E262}" type="datetimeFigureOut">
               <a:rPr lang="en-US" smtClean="0"/>
-              <a:t>12/7/20</a:t>
+              <a:t>9/11/21</a:t>
             </a:fld>
             <a:endParaRPr lang="en-US"/>
           </a:p>
@@ -2672,7 +2672,7 @@
           <a:p>
             <a:fld id="{DAC1E4EF-1A07-8740-80B6-D041CCD5E262}" type="datetimeFigureOut">
               <a:rPr lang="en-US" smtClean="0"/>
-              <a:t>12/7/20</a:t>
+              <a:t>9/11/21</a:t>
             </a:fld>
             <a:endParaRPr lang="en-US"/>
           </a:p>
@@ -2913,7 +2913,7 @@
           <a:p>
             <a:fld id="{DAC1E4EF-1A07-8740-80B6-D041CCD5E262}" type="datetimeFigureOut">
               <a:rPr lang="en-US" smtClean="0"/>
-              <a:t>12/7/20</a:t>
+              <a:t>9/11/21</a:t>
             </a:fld>
             <a:endParaRPr lang="en-US"/>
           </a:p>
